--- a/generated_pptx/IA_Report_Fleet_Management_Operations.pptx
+++ b/generated_pptx/IA_Report_Fleet_Management_Operations.pptx
@@ -3389,7 +3389,7 @@
             </a:pPr>
             <a:r>
               <a:rPr/>
-              <a:t>Title Slide</a:t>
+              <a:t>Internal Audit of Corporate Fleet Operations</a:t>
             </a:r>
           </a:p>
         </p:txBody>
@@ -3416,41 +3416,26 @@
           <a:lstStyle/>
           <a:p>
             <a:pPr lvl="0" indent="0" marL="0">
+              <a:spcBef>
+                <a:spcPts val="3000"/>
+              </a:spcBef>
               <a:buNone/>
             </a:pPr>
             <a:r>
               <a:rPr b="1"/>
-              <a:t>Report:</a:t>
-            </a:r>
-            <a:r>
-              <a:rPr/>
-              <a:t> Corporate Fleet Management and Vehicle Safety Audit</a:t>
+              <a:t>Logistics &amp; Procurement</a:t>
             </a:r>
           </a:p>
           <a:p>
             <a:pPr lvl="0" indent="0" marL="0">
+              <a:spcBef>
+                <a:spcPts val="3000"/>
+              </a:spcBef>
               <a:buNone/>
             </a:pPr>
             <a:r>
               <a:rPr b="1"/>
-              <a:t>Business Unit:</a:t>
-            </a:r>
-            <a:r>
-              <a:rPr/>
-              <a:t> Logistics</a:t>
-            </a:r>
-          </a:p>
-          <a:p>
-            <a:pPr lvl="0" indent="0" marL="0">
-              <a:buNone/>
-            </a:pPr>
-            <a:r>
-              <a:rPr b="1"/>
-              <a:t>Date:</a:t>
-            </a:r>
-            <a:r>
-              <a:rPr/>
-              <a:t> February 18, 2026</a:t>
+              <a:t>February 25, 2026</a:t>
             </a:r>
           </a:p>
         </p:txBody>
@@ -3546,7 +3531,7 @@
             </a:pPr>
             <a:r>
               <a:rPr/>
-              <a:t>To assess the efficiency of vehicle utilization and compliance with maintenance schedules.</a:t>
+              <a:t>To evaluate fuel card usage and the vehicle maintenance program.</a:t>
             </a:r>
           </a:p>
           <a:p>
@@ -3567,7 +3552,7 @@
             </a:pPr>
             <a:r>
               <a:rPr/>
-              <a:t>The fleet consists of 120 delivery vans and 30 executive vehicles.</a:t>
+              <a:t>The fleet consists of 150 vehicles used for sales and field service operations.</a:t>
             </a:r>
           </a:p>
           <a:p>
@@ -3588,7 +3573,7 @@
             </a:pPr>
             <a:r>
               <a:rPr/>
-              <a:t>Fuel card usage analysis and maintenance records from the past 12 months.</a:t>
+              <a:t>Review of fuel logs, GPS tracking data, and maintenance records from 2025.</a:t>
             </a:r>
           </a:p>
         </p:txBody>
@@ -3676,7 +3661,7 @@
             </a:r>
             <a:r>
               <a:rPr/>
-              <a:t> Anomalies detected where fuel was purchased on weekends for vehicles registered as ‘Inactive’ on those dates.</a:t>
+              <a:t> Multiple fuel card transactions occurred on weekends for vehicles assigned for ‘business use only’.</a:t>
             </a:r>
           </a:p>
           <a:p>
@@ -3689,7 +3674,7 @@
             </a:r>
             <a:r>
               <a:rPr/>
-              <a:t> Fraudulent use of corporate funds for personal vehicle fueling.</a:t>
+              <a:t> Fraudulent use of corporate funds for personal travel.</a:t>
             </a:r>
           </a:p>
           <a:p>
@@ -3719,20 +3704,7 @@
             </a:r>
             <a:r>
               <a:rPr/>
-              <a:t> Link fuel cards to specific vehicle IDs and implement mileage tracking.</a:t>
-            </a:r>
-          </a:p>
-          <a:p>
-            <a:pPr lvl="0" indent="0" marL="0">
-              <a:buNone/>
-            </a:pPr>
-            <a:r>
-              <a:rPr b="1"/>
-              <a:t>Status:</a:t>
-            </a:r>
-            <a:r>
-              <a:rPr/>
-              <a:t> Open</a:t>
+              <a:t> Link fuel cards to specific vehicle IDs and implement monthly mileage-vs-fuel reconciliation.</a:t>
             </a:r>
           </a:p>
         </p:txBody>
@@ -3785,7 +3757,7 @@
             </a:pPr>
             <a:r>
               <a:rPr/>
-              <a:t>Observation 2: Lapsed Safety Inspections</a:t>
+              <a:t>Observation 2: Overdue Preventative Maintenance</a:t>
             </a:r>
           </a:p>
         </p:txBody>
@@ -3820,7 +3792,7 @@
             </a:r>
             <a:r>
               <a:rPr/>
-              <a:t> 10% of fleet vehicles were operating with expired state safety certifications.</a:t>
+              <a:t> 12% of the fleet exceeded the manufacturer’s recommended service interval by more than 3,000 miles.</a:t>
             </a:r>
           </a:p>
           <a:p>
@@ -3833,7 +3805,7 @@
             </a:r>
             <a:r>
               <a:rPr/>
-              <a:t> Legal liability, insurance invalidation, and driver safety hazards.</a:t>
+              <a:t> Increased repair costs, vehicle downtime, and potential safety liability.</a:t>
             </a:r>
           </a:p>
           <a:p>
@@ -3850,7 +3822,7 @@
             </a:r>
             <a:r>
               <a:rPr b="1"/>
-              <a:t>INADEQUATE</a:t>
+              <a:t>ADEQUATE</a:t>
             </a:r>
           </a:p>
           <a:p>
@@ -3863,20 +3835,7 @@
             </a:r>
             <a:r>
               <a:rPr/>
-              <a:t> Implement an automated fleet management system to track expiry dates.</a:t>
-            </a:r>
-          </a:p>
-          <a:p>
-            <a:pPr lvl="0" indent="0" marL="0">
-              <a:buNone/>
-            </a:pPr>
-            <a:r>
-              <a:rPr b="1"/>
-              <a:t>Status:</a:t>
-            </a:r>
-            <a:r>
-              <a:rPr/>
-              <a:t> In Progress</a:t>
+              <a:t> Automate maintenance alerts based on real-time odometer readings from the GPS system.</a:t>
             </a:r>
           </a:p>
         </p:txBody>
@@ -3960,7 +3919,7 @@
             </a:pPr>
             <a:r>
               <a:rPr/>
-              <a:t>Digitize all maintenance and inspection logs.</a:t>
+              <a:t>Implement strict fuel card controls and PIN requirements.</a:t>
             </a:r>
           </a:p>
           <a:p>
@@ -3969,7 +3928,7 @@
             </a:pPr>
             <a:r>
               <a:rPr/>
-              <a:t>Restrict fuel card usage to business hours via provider settings.</a:t>
+              <a:t>Establish a central fleet dashboard for maintenance tracking.</a:t>
             </a:r>
           </a:p>
           <a:p>
@@ -3978,7 +3937,7 @@
             </a:pPr>
             <a:r>
               <a:rPr/>
-              <a:t>Introduce a telematics system for real-time tracking.</a:t>
+              <a:t>Review vehicle utilization rates to identify underused assets.</a:t>
             </a:r>
           </a:p>
         </p:txBody>
@@ -4122,54 +4081,7 @@
                       </a:pPr>
                       <a:r>
                         <a:rPr/>
-                        <a:t>Telematics Pilot</a:t>
-                      </a:r>
-                    </a:p>
-                  </a:txBody>
-                </a:tc>
-                <a:tc>
-                  <a:txBody>
-                    <a:bodyPr/>
-                    <a:lstStyle/>
-                    <a:p>
-                      <a:pPr lvl="0" indent="0" marL="0" algn="l">
-                        <a:buNone/>
-                      </a:pPr>
-                      <a:r>
-                        <a:rPr/>
-                        <a:t>Logistics Mgr</a:t>
-                      </a:r>
-                    </a:p>
-                  </a:txBody>
-                </a:tc>
-                <a:tc>
-                  <a:txBody>
-                    <a:bodyPr/>
-                    <a:lstStyle/>
-                    <a:p>
-                      <a:pPr lvl="0" indent="0" marL="0" algn="l">
-                        <a:buNone/>
-                      </a:pPr>
-                      <a:r>
-                        <a:rPr/>
-                        <a:t>August 2026</a:t>
-                      </a:r>
-                    </a:p>
-                  </a:txBody>
-                </a:tc>
-              </a:tr>
-              <a:tr h="0">
-                <a:tc>
-                  <a:txBody>
-                    <a:bodyPr/>
-                    <a:lstStyle/>
-                    <a:p>
-                      <a:pPr lvl="0" indent="0" marL="0" algn="l">
-                        <a:buNone/>
-                      </a:pPr>
-                      <a:r>
-                        <a:rPr/>
-                        <a:t>Certification Update</a:t>
+                        <a:t>Fuel Log Audit</a:t>
                       </a:r>
                     </a:p>
                   </a:txBody>
@@ -4216,7 +4128,7 @@
                       </a:pPr>
                       <a:r>
                         <a:rPr/>
-                        <a:t>Fuel Card Policy</a:t>
+                        <a:t>GPS Integration</a:t>
                       </a:r>
                     </a:p>
                   </a:txBody>
@@ -4231,7 +4143,7 @@
                       </a:pPr>
                       <a:r>
                         <a:rPr/>
-                        <a:t>Finance Lead</a:t>
+                        <a:t>IT Director</a:t>
                       </a:r>
                     </a:p>
                   </a:txBody>
@@ -4247,6 +4159,53 @@
                       <a:r>
                         <a:rPr/>
                         <a:t>April 2026</a:t>
+                      </a:r>
+                    </a:p>
+                  </a:txBody>
+                </a:tc>
+              </a:tr>
+              <a:tr h="0">
+                <a:tc>
+                  <a:txBody>
+                    <a:bodyPr/>
+                    <a:lstStyle/>
+                    <a:p>
+                      <a:pPr lvl="0" indent="0" marL="0" algn="l">
+                        <a:buNone/>
+                      </a:pPr>
+                      <a:r>
+                        <a:rPr/>
+                        <a:t>Maintenance Policy</a:t>
+                      </a:r>
+                    </a:p>
+                  </a:txBody>
+                </a:tc>
+                <a:tc>
+                  <a:txBody>
+                    <a:bodyPr/>
+                    <a:lstStyle/>
+                    <a:p>
+                      <a:pPr lvl="0" indent="0" marL="0" algn="l">
+                        <a:buNone/>
+                      </a:pPr>
+                      <a:r>
+                        <a:rPr/>
+                        <a:t>Procurement Head</a:t>
+                      </a:r>
+                    </a:p>
+                  </a:txBody>
+                </a:tc>
+                <a:tc>
+                  <a:txBody>
+                    <a:bodyPr/>
+                    <a:lstStyle/>
+                    <a:p>
+                      <a:pPr lvl="0" indent="0" marL="0" algn="l">
+                        <a:buNone/>
+                      </a:pPr>
+                      <a:r>
+                        <a:rPr/>
+                        <a:t>March 2026</a:t>
                       </a:r>
                     </a:p>
                   </a:txBody>
